--- a/readPapers/SafeDrop/safeDrop.pptx
+++ b/readPapers/SafeDrop/safeDrop.pptx
@@ -5,7 +5,7 @@
     <p:sldMasterId id="2147483661" r:id="rId1"/>
   </p:sldMasterIdLst>
   <p:notesMasterIdLst>
-    <p:notesMasterId r:id="rId15"/>
+    <p:notesMasterId r:id="rId19"/>
   </p:notesMasterIdLst>
   <p:sldIdLst>
     <p:sldId id="257" r:id="rId2"/>
@@ -21,6 +21,10 @@
     <p:sldId id="265" r:id="rId12"/>
     <p:sldId id="267" r:id="rId13"/>
     <p:sldId id="268" r:id="rId14"/>
+    <p:sldId id="269" r:id="rId15"/>
+    <p:sldId id="270" r:id="rId16"/>
+    <p:sldId id="271" r:id="rId17"/>
+    <p:sldId id="272" r:id="rId18"/>
   </p:sldIdLst>
   <p:sldSz cx="12192000" cy="6858000"/>
   <p:notesSz cx="6858000" cy="9144000"/>
@@ -209,7 +213,7 @@
           <a:p>
             <a:fld id="{35C74D61-60FA-4674-9FC4-A968472D58D9}" type="datetimeFigureOut">
               <a:rPr lang="zh-CN" altLang="en-US" smtClean="0"/>
-              <a:t>2023/9/11</a:t>
+              <a:t>2023/9/12</a:t>
             </a:fld>
             <a:endParaRPr lang="zh-CN" altLang="en-US"/>
           </a:p>
@@ -1615,6 +1619,33 @@
               <a:rPr lang="en-US" altLang="zh-CN" dirty="0"/>
               <a:t>1.f -&gt; {"x", "y"}, s -&gt; {"x", "y"}</a:t>
             </a:r>
+          </a:p>
+          <a:p>
+            <a:pPr algn="l"/>
+            <a:endParaRPr lang="en-US" altLang="zh-CN" dirty="0"/>
+          </a:p>
+          <a:p>
+            <a:pPr algn="l"/>
+            <a:endParaRPr lang="en-US" altLang="zh-CN" dirty="0"/>
+          </a:p>
+          <a:p>
+            <a:pPr algn="l"/>
+            <a:endParaRPr lang="en-US" altLang="zh-CN" dirty="0"/>
+          </a:p>
+          <a:p>
+            <a:pPr algn="l"/>
+            <a:endParaRPr lang="en-US" altLang="zh-CN" dirty="0"/>
+          </a:p>
+          <a:p>
+            <a:pPr algn="l"/>
+            <a:endParaRPr lang="en-US" altLang="zh-CN" dirty="0"/>
+          </a:p>
+          <a:p>
+            <a:pPr algn="l"/>
+            <a:r>
+              <a:rPr lang="en-US" altLang="zh-CN" dirty="0"/>
+              <a:t>field-sensitive</a:t>
+            </a:r>
             <a:endParaRPr lang="zh-CN" altLang="en-US" dirty="0"/>
           </a:p>
         </p:txBody>
@@ -1646,6 +1677,278 @@
     <p:extLst>
       <p:ext uri="{BB962C8B-B14F-4D97-AF65-F5344CB8AC3E}">
         <p14:creationId xmlns:p14="http://schemas.microsoft.com/office/powerpoint/2010/main" val="2146131838"/>
+      </p:ext>
+    </p:extLst>
+  </p:cSld>
+  <p:clrMapOvr>
+    <a:masterClrMapping/>
+  </p:clrMapOvr>
+</p:notes>
+</file>
+
+<file path=ppt/notesSlides/notesSlide6.xml><?xml version="1.0" encoding="utf-8"?>
+<p:notes xmlns:a="http://schemas.openxmlformats.org/drawingml/2006/main" xmlns:r="http://schemas.openxmlformats.org/officeDocument/2006/relationships" xmlns:p="http://schemas.openxmlformats.org/presentationml/2006/main">
+  <p:cSld>
+    <p:spTree>
+      <p:nvGrpSpPr>
+        <p:cNvPr id="1" name=""/>
+        <p:cNvGrpSpPr/>
+        <p:nvPr/>
+      </p:nvGrpSpPr>
+      <p:grpSpPr>
+        <a:xfrm>
+          <a:off x="0" y="0"/>
+          <a:ext cx="0" cy="0"/>
+          <a:chOff x="0" y="0"/>
+          <a:chExt cx="0" cy="0"/>
+        </a:xfrm>
+      </p:grpSpPr>
+      <p:sp>
+        <p:nvSpPr>
+          <p:cNvPr id="2" name="幻灯片图像占位符 1"/>
+          <p:cNvSpPr>
+            <a:spLocks noGrp="1" noRot="1" noChangeAspect="1"/>
+          </p:cNvSpPr>
+          <p:nvPr>
+            <p:ph type="sldImg"/>
+          </p:nvPr>
+        </p:nvSpPr>
+        <p:spPr/>
+      </p:sp>
+      <p:sp>
+        <p:nvSpPr>
+          <p:cNvPr id="3" name="备注占位符 2"/>
+          <p:cNvSpPr>
+            <a:spLocks noGrp="1"/>
+          </p:cNvSpPr>
+          <p:nvPr>
+            <p:ph type="body" idx="1"/>
+          </p:nvPr>
+        </p:nvSpPr>
+        <p:spPr/>
+        <p:txBody>
+          <a:bodyPr/>
+          <a:lstStyle/>
+          <a:p>
+            <a:r>
+              <a:rPr kumimoji="1" lang="en-US" altLang="zh-CN" dirty="0"/>
+              <a:t>tainted</a:t>
+            </a:r>
+            <a:r>
+              <a:rPr kumimoji="1" lang="zh-CN" altLang="en-US" dirty="0"/>
+              <a:t> </a:t>
+            </a:r>
+            <a:r>
+              <a:rPr kumimoji="1" lang="en-US" altLang="zh-CN" dirty="0"/>
+              <a:t>means</a:t>
+            </a:r>
+            <a:r>
+              <a:rPr kumimoji="1" lang="zh-CN" altLang="en-US" dirty="0"/>
+              <a:t> </a:t>
+            </a:r>
+            <a:r>
+              <a:rPr kumimoji="1" lang="en-US" altLang="zh-CN" dirty="0"/>
+              <a:t>the memory cannot be dropped</a:t>
+            </a:r>
+            <a:endParaRPr kumimoji="1" lang="zh-CN" altLang="en-US" dirty="0"/>
+          </a:p>
+        </p:txBody>
+      </p:sp>
+      <p:sp>
+        <p:nvSpPr>
+          <p:cNvPr id="4" name="灯片编号占位符 3"/>
+          <p:cNvSpPr>
+            <a:spLocks noGrp="1"/>
+          </p:cNvSpPr>
+          <p:nvPr>
+            <p:ph type="sldNum" sz="quarter" idx="5"/>
+          </p:nvPr>
+        </p:nvSpPr>
+        <p:spPr/>
+        <p:txBody>
+          <a:bodyPr/>
+          <a:lstStyle/>
+          <a:p>
+            <a:fld id="{EAE3AF57-8BB4-46C8-BC06-E2CB06BA2381}" type="slidenum">
+              <a:rPr lang="zh-CN" altLang="en-US" smtClean="0"/>
+              <a:t>14</a:t>
+            </a:fld>
+            <a:endParaRPr lang="zh-CN" altLang="en-US"/>
+          </a:p>
+        </p:txBody>
+      </p:sp>
+    </p:spTree>
+    <p:extLst>
+      <p:ext uri="{BB962C8B-B14F-4D97-AF65-F5344CB8AC3E}">
+        <p14:creationId xmlns:p14="http://schemas.microsoft.com/office/powerpoint/2010/main" val="3198340396"/>
+      </p:ext>
+    </p:extLst>
+  </p:cSld>
+  <p:clrMapOvr>
+    <a:masterClrMapping/>
+  </p:clrMapOvr>
+</p:notes>
+</file>
+
+<file path=ppt/notesSlides/notesSlide7.xml><?xml version="1.0" encoding="utf-8"?>
+<p:notes xmlns:a="http://schemas.openxmlformats.org/drawingml/2006/main" xmlns:r="http://schemas.openxmlformats.org/officeDocument/2006/relationships" xmlns:p="http://schemas.openxmlformats.org/presentationml/2006/main">
+  <p:cSld>
+    <p:spTree>
+      <p:nvGrpSpPr>
+        <p:cNvPr id="1" name=""/>
+        <p:cNvGrpSpPr/>
+        <p:nvPr/>
+      </p:nvGrpSpPr>
+      <p:grpSpPr>
+        <a:xfrm>
+          <a:off x="0" y="0"/>
+          <a:ext cx="0" cy="0"/>
+          <a:chOff x="0" y="0"/>
+          <a:chExt cx="0" cy="0"/>
+        </a:xfrm>
+      </p:grpSpPr>
+      <p:sp>
+        <p:nvSpPr>
+          <p:cNvPr id="2" name="幻灯片图像占位符 1"/>
+          <p:cNvSpPr>
+            <a:spLocks noGrp="1" noRot="1" noChangeAspect="1"/>
+          </p:cNvSpPr>
+          <p:nvPr>
+            <p:ph type="sldImg"/>
+          </p:nvPr>
+        </p:nvSpPr>
+        <p:spPr/>
+      </p:sp>
+      <p:sp>
+        <p:nvSpPr>
+          <p:cNvPr id="3" name="备注占位符 2"/>
+          <p:cNvSpPr>
+            <a:spLocks noGrp="1"/>
+          </p:cNvSpPr>
+          <p:nvPr>
+            <p:ph type="body" idx="1"/>
+          </p:nvPr>
+        </p:nvSpPr>
+        <p:spPr/>
+        <p:txBody>
+          <a:bodyPr/>
+          <a:lstStyle/>
+          <a:p>
+            <a:endParaRPr kumimoji="1" lang="zh-CN" altLang="en-US" dirty="0"/>
+          </a:p>
+        </p:txBody>
+      </p:sp>
+      <p:sp>
+        <p:nvSpPr>
+          <p:cNvPr id="4" name="灯片编号占位符 3"/>
+          <p:cNvSpPr>
+            <a:spLocks noGrp="1"/>
+          </p:cNvSpPr>
+          <p:nvPr>
+            <p:ph type="sldNum" sz="quarter" idx="5"/>
+          </p:nvPr>
+        </p:nvSpPr>
+        <p:spPr/>
+        <p:txBody>
+          <a:bodyPr/>
+          <a:lstStyle/>
+          <a:p>
+            <a:fld id="{EAE3AF57-8BB4-46C8-BC06-E2CB06BA2381}" type="slidenum">
+              <a:rPr lang="zh-CN" altLang="en-US" smtClean="0"/>
+              <a:t>16</a:t>
+            </a:fld>
+            <a:endParaRPr lang="zh-CN" altLang="en-US"/>
+          </a:p>
+        </p:txBody>
+      </p:sp>
+    </p:spTree>
+    <p:extLst>
+      <p:ext uri="{BB962C8B-B14F-4D97-AF65-F5344CB8AC3E}">
+        <p14:creationId xmlns:p14="http://schemas.microsoft.com/office/powerpoint/2010/main" val="1109518994"/>
+      </p:ext>
+    </p:extLst>
+  </p:cSld>
+  <p:clrMapOvr>
+    <a:masterClrMapping/>
+  </p:clrMapOvr>
+</p:notes>
+</file>
+
+<file path=ppt/notesSlides/notesSlide8.xml><?xml version="1.0" encoding="utf-8"?>
+<p:notes xmlns:a="http://schemas.openxmlformats.org/drawingml/2006/main" xmlns:r="http://schemas.openxmlformats.org/officeDocument/2006/relationships" xmlns:p="http://schemas.openxmlformats.org/presentationml/2006/main">
+  <p:cSld>
+    <p:spTree>
+      <p:nvGrpSpPr>
+        <p:cNvPr id="1" name=""/>
+        <p:cNvGrpSpPr/>
+        <p:nvPr/>
+      </p:nvGrpSpPr>
+      <p:grpSpPr>
+        <a:xfrm>
+          <a:off x="0" y="0"/>
+          <a:ext cx="0" cy="0"/>
+          <a:chOff x="0" y="0"/>
+          <a:chExt cx="0" cy="0"/>
+        </a:xfrm>
+      </p:grpSpPr>
+      <p:sp>
+        <p:nvSpPr>
+          <p:cNvPr id="2" name="幻灯片图像占位符 1"/>
+          <p:cNvSpPr>
+            <a:spLocks noGrp="1" noRot="1" noChangeAspect="1"/>
+          </p:cNvSpPr>
+          <p:nvPr>
+            <p:ph type="sldImg"/>
+          </p:nvPr>
+        </p:nvSpPr>
+        <p:spPr/>
+      </p:sp>
+      <p:sp>
+        <p:nvSpPr>
+          <p:cNvPr id="3" name="备注占位符 2"/>
+          <p:cNvSpPr>
+            <a:spLocks noGrp="1"/>
+          </p:cNvSpPr>
+          <p:nvPr>
+            <p:ph type="body" idx="1"/>
+          </p:nvPr>
+        </p:nvSpPr>
+        <p:spPr/>
+        <p:txBody>
+          <a:bodyPr/>
+          <a:lstStyle/>
+          <a:p>
+            <a:endParaRPr kumimoji="1" lang="zh-CN" altLang="en-US" dirty="0"/>
+          </a:p>
+        </p:txBody>
+      </p:sp>
+      <p:sp>
+        <p:nvSpPr>
+          <p:cNvPr id="4" name="灯片编号占位符 3"/>
+          <p:cNvSpPr>
+            <a:spLocks noGrp="1"/>
+          </p:cNvSpPr>
+          <p:nvPr>
+            <p:ph type="sldNum" sz="quarter" idx="5"/>
+          </p:nvPr>
+        </p:nvSpPr>
+        <p:spPr/>
+        <p:txBody>
+          <a:bodyPr/>
+          <a:lstStyle/>
+          <a:p>
+            <a:fld id="{EAE3AF57-8BB4-46C8-BC06-E2CB06BA2381}" type="slidenum">
+              <a:rPr lang="zh-CN" altLang="en-US" smtClean="0"/>
+              <a:t>17</a:t>
+            </a:fld>
+            <a:endParaRPr lang="zh-CN" altLang="en-US"/>
+          </a:p>
+        </p:txBody>
+      </p:sp>
+    </p:spTree>
+    <p:extLst>
+      <p:ext uri="{BB962C8B-B14F-4D97-AF65-F5344CB8AC3E}">
+        <p14:creationId xmlns:p14="http://schemas.microsoft.com/office/powerpoint/2010/main" val="70481532"/>
       </p:ext>
     </p:extLst>
   </p:cSld>
@@ -1851,7 +2154,7 @@
           <a:p>
             <a:fld id="{78FB21E7-A669-43BB-AEE3-E45B5425146D}" type="datetimeFigureOut">
               <a:rPr lang="zh-CN" altLang="en-US" smtClean="0"/>
-              <a:t>2023/9/11</a:t>
+              <a:t>2023/9/12</a:t>
             </a:fld>
             <a:endParaRPr lang="zh-CN" altLang="en-US"/>
           </a:p>
@@ -2402,7 +2705,7 @@
           <a:p>
             <a:fld id="{78FB21E7-A669-43BB-AEE3-E45B5425146D}" type="datetimeFigureOut">
               <a:rPr lang="zh-CN" altLang="en-US" smtClean="0"/>
-              <a:t>2023/9/11</a:t>
+              <a:t>2023/9/12</a:t>
             </a:fld>
             <a:endParaRPr lang="zh-CN" altLang="en-US"/>
           </a:p>
@@ -2839,6 +3142,10 @@
           <a:lstStyle/>
           <a:p>
             <a:r>
+              <a:rPr lang="zh-CN" altLang="en-US" sz="2000" dirty="0"/>
+              <a:t>论文解读：</a:t>
+            </a:r>
+            <a:r>
               <a:rPr lang="en-US" altLang="zh-CN" sz="2000" dirty="0" err="1"/>
               <a:t>SafeDrop</a:t>
             </a:r>
@@ -2886,16 +3193,29 @@
           <a:lstStyle/>
           <a:p>
             <a:r>
+              <a:rPr lang="en" altLang="zh-CN" dirty="0"/>
+              <a:t>Authors: </a:t>
+            </a:r>
+            <a:r>
+              <a:rPr lang="zh-CN" altLang="en" dirty="0"/>
+              <a:t>张城铨</a:t>
+            </a:r>
+            <a:endParaRPr lang="en" altLang="zh-CN" dirty="0"/>
+          </a:p>
+          <a:p>
+            <a:r>
+              <a:rPr lang="en" altLang="zh-CN" dirty="0"/>
+              <a:t>Email:</a:t>
+            </a:r>
+            <a:r>
               <a:rPr lang="zh-CN" altLang="en-US" dirty="0"/>
-              <a:t>张城铨</a:t>
-            </a:r>
-            <a:endParaRPr lang="en-US" altLang="zh-CN" dirty="0"/>
-          </a:p>
-          <a:p>
-            <a:r>
-              <a:rPr lang="en-US" altLang="zh-CN" dirty="0"/>
-              <a:t>2023.9.14</a:t>
-            </a:r>
+              <a:t> </a:t>
+            </a:r>
+            <a:r>
+              <a:rPr lang="en-US" altLang="zh-CN" dirty="0" err="1"/>
+              <a:t>chengquanzhang@smail.nju.edu.cn</a:t>
+            </a:r>
+            <a:endParaRPr lang="en" altLang="zh-CN" dirty="0"/>
           </a:p>
           <a:p>
             <a:r>
@@ -3120,8 +3440,8 @@
           </a:p>
         </p:txBody>
       </p:sp>
-      <mc:AlternateContent xmlns:mc="http://schemas.openxmlformats.org/markup-compatibility/2006">
-        <mc:Choice xmlns:a14="http://schemas.microsoft.com/office/drawing/2010/main" Requires="a14">
+      <mc:AlternateContent xmlns:mc="http://schemas.openxmlformats.org/markup-compatibility/2006" xmlns:a14="http://schemas.microsoft.com/office/drawing/2010/main">
+        <mc:Choice Requires="a14">
           <p:sp>
             <p:nvSpPr>
               <p:cNvPr id="3" name="内容占位符 2">
@@ -3226,7 +3546,7 @@
             </p:txBody>
           </p:sp>
         </mc:Choice>
-        <mc:Fallback>
+        <mc:Fallback xmlns="">
           <p:sp>
             <p:nvSpPr>
               <p:cNvPr id="3" name="内容占位符 2">
@@ -3746,6 +4066,620 @@
     <p:extLst>
       <p:ext uri="{BB962C8B-B14F-4D97-AF65-F5344CB8AC3E}">
         <p14:creationId xmlns:p14="http://schemas.microsoft.com/office/powerpoint/2010/main" val="2062977154"/>
+      </p:ext>
+    </p:extLst>
+  </p:cSld>
+  <p:clrMapOvr>
+    <a:masterClrMapping/>
+  </p:clrMapOvr>
+</p:sld>
+</file>
+
+<file path=ppt/slides/slide14.xml><?xml version="1.0" encoding="utf-8"?>
+<p:sld xmlns:a="http://schemas.openxmlformats.org/drawingml/2006/main" xmlns:r="http://schemas.openxmlformats.org/officeDocument/2006/relationships" xmlns:p="http://schemas.openxmlformats.org/presentationml/2006/main">
+  <p:cSld>
+    <p:spTree>
+      <p:nvGrpSpPr>
+        <p:cNvPr id="1" name=""/>
+        <p:cNvGrpSpPr/>
+        <p:nvPr/>
+      </p:nvGrpSpPr>
+      <p:grpSpPr>
+        <a:xfrm>
+          <a:off x="0" y="0"/>
+          <a:ext cx="0" cy="0"/>
+          <a:chOff x="0" y="0"/>
+          <a:chExt cx="0" cy="0"/>
+        </a:xfrm>
+      </p:grpSpPr>
+      <p:sp>
+        <p:nvSpPr>
+          <p:cNvPr id="2" name="标题 1">
+            <a:extLst>
+              <a:ext uri="{FF2B5EF4-FFF2-40B4-BE49-F238E27FC236}">
+                <a16:creationId xmlns:a16="http://schemas.microsoft.com/office/drawing/2014/main" id="{57AA7D9D-70D0-EB44-9D5A-A7798B757118}"/>
+              </a:ext>
+            </a:extLst>
+          </p:cNvPr>
+          <p:cNvSpPr>
+            <a:spLocks noGrp="1"/>
+          </p:cNvSpPr>
+          <p:nvPr>
+            <p:ph type="title"/>
+          </p:nvPr>
+        </p:nvSpPr>
+        <p:spPr/>
+        <p:txBody>
+          <a:bodyPr/>
+          <a:lstStyle/>
+          <a:p>
+            <a:r>
+              <a:rPr kumimoji="1" lang="en-US" altLang="zh-CN" dirty="0"/>
+              <a:t>Bug Detection</a:t>
+            </a:r>
+            <a:endParaRPr kumimoji="1" lang="zh-CN" altLang="en-US" dirty="0"/>
+          </a:p>
+        </p:txBody>
+      </p:sp>
+      <p:sp>
+        <p:nvSpPr>
+          <p:cNvPr id="3" name="内容占位符 2">
+            <a:extLst>
+              <a:ext uri="{FF2B5EF4-FFF2-40B4-BE49-F238E27FC236}">
+                <a16:creationId xmlns:a16="http://schemas.microsoft.com/office/drawing/2014/main" id="{20C42FD3-68DE-424F-B23C-50B390EC4011}"/>
+              </a:ext>
+            </a:extLst>
+          </p:cNvPr>
+          <p:cNvSpPr>
+            <a:spLocks noGrp="1"/>
+          </p:cNvSpPr>
+          <p:nvPr>
+            <p:ph idx="1"/>
+          </p:nvPr>
+        </p:nvSpPr>
+        <p:spPr>
+          <a:xfrm>
+            <a:off x="443976" y="1323562"/>
+            <a:ext cx="11263013" cy="4768145"/>
+          </a:xfrm>
+        </p:spPr>
+        <p:txBody>
+          <a:bodyPr/>
+          <a:lstStyle/>
+          <a:p>
+            <a:r>
+              <a:rPr kumimoji="1" lang="en" altLang="zh-CN" sz="2000" dirty="0"/>
+              <a:t>a buggy path generally involves </a:t>
+            </a:r>
+          </a:p>
+          <a:p>
+            <a:pPr lvl="1"/>
+            <a:r>
+              <a:rPr kumimoji="1" lang="en" altLang="zh-CN" sz="1800" dirty="0"/>
+              <a:t>a drop() statement </a:t>
+            </a:r>
+          </a:p>
+          <a:p>
+            <a:pPr lvl="1"/>
+            <a:r>
+              <a:rPr kumimoji="1" lang="en" altLang="zh-CN" sz="1800" dirty="0"/>
+              <a:t>or the special unsafe constructor uninitialized()</a:t>
+            </a:r>
+          </a:p>
+          <a:p>
+            <a:r>
+              <a:rPr lang="en-US" altLang="zh-CN" sz="2000" dirty="0"/>
+              <a:t>Solution: </a:t>
+            </a:r>
+            <a:r>
+              <a:rPr lang="zh-CN" altLang="en-US" sz="2000" dirty="0"/>
+              <a:t>label the alias sets as the tainted source and propagate the taint information</a:t>
+            </a:r>
+          </a:p>
+          <a:p>
+            <a:pPr lvl="1"/>
+            <a:r>
+              <a:rPr kumimoji="1" lang="en" altLang="zh-CN" sz="1800" dirty="0"/>
+              <a:t>For the taint source generated from uninitialized(), update the tainted sets as untainted once the object has been initialized.</a:t>
+            </a:r>
+          </a:p>
+          <a:p>
+            <a:pPr lvl="1"/>
+            <a:r>
+              <a:rPr kumimoji="1" lang="en" altLang="zh-CN" sz="1800" dirty="0"/>
+              <a:t>Rules</a:t>
+            </a:r>
+          </a:p>
+          <a:p>
+            <a:pPr lvl="2"/>
+            <a:r>
+              <a:rPr kumimoji="1" lang="en" altLang="zh-CN" sz="1600" b="1" dirty="0"/>
+              <a:t>Use After Free</a:t>
+            </a:r>
+            <a:r>
+              <a:rPr kumimoji="1" lang="en" altLang="zh-CN" sz="1600" dirty="0"/>
+              <a:t>: A variable being used in a statement is tainted.</a:t>
+            </a:r>
+          </a:p>
+          <a:p>
+            <a:pPr lvl="2"/>
+            <a:r>
+              <a:rPr kumimoji="1" lang="en" altLang="zh-CN" sz="1600" b="1" dirty="0"/>
+              <a:t>Double Free</a:t>
+            </a:r>
+            <a:r>
+              <a:rPr kumimoji="1" lang="en" altLang="zh-CN" sz="1600" dirty="0"/>
+              <a:t>: A variable being deallocated by drop() is tainted.</a:t>
+            </a:r>
+          </a:p>
+          <a:p>
+            <a:pPr lvl="2"/>
+            <a:r>
+              <a:rPr kumimoji="1" lang="en" altLang="zh-CN" sz="1600" b="1" dirty="0"/>
+              <a:t>Invalid Memory Access</a:t>
+            </a:r>
+            <a:r>
+              <a:rPr kumimoji="1" lang="en" altLang="zh-CN" sz="1600" dirty="0"/>
+              <a:t>: A variable being used or deallocated is tainted.</a:t>
+            </a:r>
+          </a:p>
+          <a:p>
+            <a:pPr lvl="2"/>
+            <a:r>
+              <a:rPr kumimoji="1" lang="en" altLang="zh-CN" sz="1600" b="1" dirty="0"/>
+              <a:t>Dangling Pointer</a:t>
+            </a:r>
+            <a:r>
+              <a:rPr kumimoji="1" lang="en" altLang="zh-CN" sz="1600" dirty="0"/>
+              <a:t>: A variable being returned by one function is tainted.</a:t>
+            </a:r>
+            <a:endParaRPr kumimoji="1" lang="en" altLang="zh-CN" sz="2000" dirty="0"/>
+          </a:p>
+          <a:p>
+            <a:pPr marL="457200" lvl="1" indent="0">
+              <a:buNone/>
+            </a:pPr>
+            <a:endParaRPr kumimoji="1" lang="zh-CN" altLang="en-US" sz="1800" dirty="0"/>
+          </a:p>
+        </p:txBody>
+      </p:sp>
+    </p:spTree>
+    <p:extLst>
+      <p:ext uri="{BB962C8B-B14F-4D97-AF65-F5344CB8AC3E}">
+        <p14:creationId xmlns:p14="http://schemas.microsoft.com/office/powerpoint/2010/main" val="2230490598"/>
+      </p:ext>
+    </p:extLst>
+  </p:cSld>
+  <p:clrMapOvr>
+    <a:masterClrMapping/>
+  </p:clrMapOvr>
+</p:sld>
+</file>
+
+<file path=ppt/slides/slide15.xml><?xml version="1.0" encoding="utf-8"?>
+<p:sld xmlns:a="http://schemas.openxmlformats.org/drawingml/2006/main" xmlns:r="http://schemas.openxmlformats.org/officeDocument/2006/relationships" xmlns:p="http://schemas.openxmlformats.org/presentationml/2006/main">
+  <p:cSld>
+    <p:spTree>
+      <p:nvGrpSpPr>
+        <p:cNvPr id="1" name=""/>
+        <p:cNvGrpSpPr/>
+        <p:nvPr/>
+      </p:nvGrpSpPr>
+      <p:grpSpPr>
+        <a:xfrm>
+          <a:off x="0" y="0"/>
+          <a:ext cx="0" cy="0"/>
+          <a:chOff x="0" y="0"/>
+          <a:chExt cx="0" cy="0"/>
+        </a:xfrm>
+      </p:grpSpPr>
+      <p:sp>
+        <p:nvSpPr>
+          <p:cNvPr id="2" name="标题 1">
+            <a:extLst>
+              <a:ext uri="{FF2B5EF4-FFF2-40B4-BE49-F238E27FC236}">
+                <a16:creationId xmlns:a16="http://schemas.microsoft.com/office/drawing/2014/main" id="{B19CDD7C-E2E0-1346-B042-64CD2B6F4BA3}"/>
+              </a:ext>
+            </a:extLst>
+          </p:cNvPr>
+          <p:cNvSpPr>
+            <a:spLocks noGrp="1"/>
+          </p:cNvSpPr>
+          <p:nvPr>
+            <p:ph type="title"/>
+          </p:nvPr>
+        </p:nvSpPr>
+        <p:spPr/>
+        <p:txBody>
+          <a:bodyPr/>
+          <a:lstStyle/>
+          <a:p>
+            <a:r>
+              <a:rPr kumimoji="1" lang="en-US" altLang="zh-CN" dirty="0"/>
+              <a:t>Evaluation: Effectiveness &amp; Comparison</a:t>
+            </a:r>
+            <a:endParaRPr kumimoji="1" lang="zh-CN" altLang="en-US" dirty="0"/>
+          </a:p>
+        </p:txBody>
+      </p:sp>
+      <p:sp>
+        <p:nvSpPr>
+          <p:cNvPr id="3" name="内容占位符 2">
+            <a:extLst>
+              <a:ext uri="{FF2B5EF4-FFF2-40B4-BE49-F238E27FC236}">
+                <a16:creationId xmlns:a16="http://schemas.microsoft.com/office/drawing/2014/main" id="{747B867D-5CB1-5B4C-8520-D5EF35640D3F}"/>
+              </a:ext>
+            </a:extLst>
+          </p:cNvPr>
+          <p:cNvSpPr>
+            <a:spLocks noGrp="1"/>
+          </p:cNvSpPr>
+          <p:nvPr>
+            <p:ph idx="1"/>
+          </p:nvPr>
+        </p:nvSpPr>
+        <p:spPr/>
+        <p:txBody>
+          <a:bodyPr>
+            <a:normAutofit/>
+          </a:bodyPr>
+          <a:lstStyle/>
+          <a:p>
+            <a:r>
+              <a:rPr kumimoji="1" lang="en" altLang="zh-CN" sz="2000" dirty="0"/>
+              <a:t>RQ1: How does it perform in detecting memory deallocation CVEs concerning recall and precision?</a:t>
+            </a:r>
+          </a:p>
+          <a:p>
+            <a:r>
+              <a:rPr kumimoji="1" lang="en" altLang="zh-CN" sz="2000" dirty="0"/>
+              <a:t>RQ3: Does </a:t>
+            </a:r>
+            <a:r>
+              <a:rPr kumimoji="1" lang="en" altLang="zh-CN" sz="2000" dirty="0" err="1"/>
+              <a:t>SafeDrop</a:t>
+            </a:r>
+            <a:r>
+              <a:rPr kumimoji="1" lang="en" altLang="zh-CN" sz="2000" dirty="0"/>
+              <a:t> perform better than other existing approaches, such as Rudra and </a:t>
+            </a:r>
+            <a:r>
+              <a:rPr kumimoji="1" lang="en" altLang="zh-CN" sz="2000" dirty="0" err="1"/>
+              <a:t>MirChecker</a:t>
+            </a:r>
+            <a:r>
+              <a:rPr kumimoji="1" lang="en" altLang="zh-CN" sz="2000" dirty="0"/>
+              <a:t>?</a:t>
+            </a:r>
+            <a:endParaRPr kumimoji="1" lang="zh-CN" altLang="en-US" sz="2000" dirty="0"/>
+          </a:p>
+        </p:txBody>
+      </p:sp>
+      <p:pic>
+        <p:nvPicPr>
+          <p:cNvPr id="5" name="图片 4">
+            <a:extLst>
+              <a:ext uri="{FF2B5EF4-FFF2-40B4-BE49-F238E27FC236}">
+                <a16:creationId xmlns:a16="http://schemas.microsoft.com/office/drawing/2014/main" id="{2B933D41-ADA2-E74C-9525-9EDE8BA05E77}"/>
+              </a:ext>
+            </a:extLst>
+          </p:cNvPr>
+          <p:cNvPicPr>
+            <a:picLocks noChangeAspect="1"/>
+          </p:cNvPicPr>
+          <p:nvPr/>
+        </p:nvPicPr>
+        <p:blipFill>
+          <a:blip r:embed="rId2">
+            <a:extLst>
+              <a:ext uri="{28A0092B-C50C-407E-A947-70E740481C1C}">
+                <a14:useLocalDpi xmlns:a14="http://schemas.microsoft.com/office/drawing/2010/main" val="0"/>
+              </a:ext>
+            </a:extLst>
+          </a:blip>
+          <a:stretch>
+            <a:fillRect/>
+          </a:stretch>
+        </p:blipFill>
+        <p:spPr>
+          <a:xfrm>
+            <a:off x="443976" y="2537238"/>
+            <a:ext cx="11315700" cy="2997200"/>
+          </a:xfrm>
+          <a:prstGeom prst="rect">
+            <a:avLst/>
+          </a:prstGeom>
+        </p:spPr>
+      </p:pic>
+    </p:spTree>
+    <p:extLst>
+      <p:ext uri="{BB962C8B-B14F-4D97-AF65-F5344CB8AC3E}">
+        <p14:creationId xmlns:p14="http://schemas.microsoft.com/office/powerpoint/2010/main" val="3756089652"/>
+      </p:ext>
+    </p:extLst>
+  </p:cSld>
+  <p:clrMapOvr>
+    <a:masterClrMapping/>
+  </p:clrMapOvr>
+</p:sld>
+</file>
+
+<file path=ppt/slides/slide16.xml><?xml version="1.0" encoding="utf-8"?>
+<p:sld xmlns:a="http://schemas.openxmlformats.org/drawingml/2006/main" xmlns:r="http://schemas.openxmlformats.org/officeDocument/2006/relationships" xmlns:p="http://schemas.openxmlformats.org/presentationml/2006/main">
+  <p:cSld>
+    <p:spTree>
+      <p:nvGrpSpPr>
+        <p:cNvPr id="1" name=""/>
+        <p:cNvGrpSpPr/>
+        <p:nvPr/>
+      </p:nvGrpSpPr>
+      <p:grpSpPr>
+        <a:xfrm>
+          <a:off x="0" y="0"/>
+          <a:ext cx="0" cy="0"/>
+          <a:chOff x="0" y="0"/>
+          <a:chExt cx="0" cy="0"/>
+        </a:xfrm>
+      </p:grpSpPr>
+      <p:sp>
+        <p:nvSpPr>
+          <p:cNvPr id="2" name="标题 1">
+            <a:extLst>
+              <a:ext uri="{FF2B5EF4-FFF2-40B4-BE49-F238E27FC236}">
+                <a16:creationId xmlns:a16="http://schemas.microsoft.com/office/drawing/2014/main" id="{B19CDD7C-E2E0-1346-B042-64CD2B6F4BA3}"/>
+              </a:ext>
+            </a:extLst>
+          </p:cNvPr>
+          <p:cNvSpPr>
+            <a:spLocks noGrp="1"/>
+          </p:cNvSpPr>
+          <p:nvPr>
+            <p:ph type="title"/>
+          </p:nvPr>
+        </p:nvSpPr>
+        <p:spPr/>
+        <p:txBody>
+          <a:bodyPr/>
+          <a:lstStyle/>
+          <a:p>
+            <a:r>
+              <a:rPr kumimoji="1" lang="en-US" altLang="zh-CN" dirty="0"/>
+              <a:t>Evaluation: Efficiency</a:t>
+            </a:r>
+            <a:endParaRPr kumimoji="1" lang="zh-CN" altLang="en-US" dirty="0"/>
+          </a:p>
+        </p:txBody>
+      </p:sp>
+      <p:sp>
+        <p:nvSpPr>
+          <p:cNvPr id="3" name="内容占位符 2">
+            <a:extLst>
+              <a:ext uri="{FF2B5EF4-FFF2-40B4-BE49-F238E27FC236}">
+                <a16:creationId xmlns:a16="http://schemas.microsoft.com/office/drawing/2014/main" id="{747B867D-5CB1-5B4C-8520-D5EF35640D3F}"/>
+              </a:ext>
+            </a:extLst>
+          </p:cNvPr>
+          <p:cNvSpPr>
+            <a:spLocks noGrp="1"/>
+          </p:cNvSpPr>
+          <p:nvPr>
+            <p:ph idx="1"/>
+          </p:nvPr>
+        </p:nvSpPr>
+        <p:spPr/>
+        <p:txBody>
+          <a:bodyPr>
+            <a:normAutofit/>
+          </a:bodyPr>
+          <a:lstStyle/>
+          <a:p>
+            <a:r>
+              <a:rPr kumimoji="1" lang="en" altLang="zh-CN" sz="2000" dirty="0"/>
+              <a:t>RQ2: How much overhead does </a:t>
+            </a:r>
+            <a:r>
+              <a:rPr kumimoji="1" lang="en" altLang="zh-CN" sz="2000" dirty="0" err="1"/>
+              <a:t>SafeDrop</a:t>
+            </a:r>
+            <a:r>
+              <a:rPr kumimoji="1" lang="en" altLang="zh-CN" sz="2000" dirty="0"/>
+              <a:t> introduce compared to the original compilation process?</a:t>
+            </a:r>
+            <a:endParaRPr kumimoji="1" lang="zh-CN" altLang="en-US" sz="2000" dirty="0"/>
+          </a:p>
+        </p:txBody>
+      </p:sp>
+      <p:pic>
+        <p:nvPicPr>
+          <p:cNvPr id="5" name="图片 4">
+            <a:extLst>
+              <a:ext uri="{FF2B5EF4-FFF2-40B4-BE49-F238E27FC236}">
+                <a16:creationId xmlns:a16="http://schemas.microsoft.com/office/drawing/2014/main" id="{80E80A92-D57E-F542-A5DF-2978347F439C}"/>
+              </a:ext>
+            </a:extLst>
+          </p:cNvPr>
+          <p:cNvPicPr>
+            <a:picLocks noChangeAspect="1"/>
+          </p:cNvPicPr>
+          <p:nvPr/>
+        </p:nvPicPr>
+        <p:blipFill>
+          <a:blip r:embed="rId3">
+            <a:extLst>
+              <a:ext uri="{28A0092B-C50C-407E-A947-70E740481C1C}">
+                <a14:useLocalDpi xmlns:a14="http://schemas.microsoft.com/office/drawing/2010/main" val="0"/>
+              </a:ext>
+            </a:extLst>
+          </a:blip>
+          <a:stretch>
+            <a:fillRect/>
+          </a:stretch>
+        </p:blipFill>
+        <p:spPr>
+          <a:xfrm>
+            <a:off x="1858224" y="1796896"/>
+            <a:ext cx="6371375" cy="4492764"/>
+          </a:xfrm>
+          <a:prstGeom prst="rect">
+            <a:avLst/>
+          </a:prstGeom>
+        </p:spPr>
+      </p:pic>
+    </p:spTree>
+    <p:extLst>
+      <p:ext uri="{BB962C8B-B14F-4D97-AF65-F5344CB8AC3E}">
+        <p14:creationId xmlns:p14="http://schemas.microsoft.com/office/powerpoint/2010/main" val="2316962411"/>
+      </p:ext>
+    </p:extLst>
+  </p:cSld>
+  <p:clrMapOvr>
+    <a:masterClrMapping/>
+  </p:clrMapOvr>
+</p:sld>
+</file>
+
+<file path=ppt/slides/slide17.xml><?xml version="1.0" encoding="utf-8"?>
+<p:sld xmlns:a="http://schemas.openxmlformats.org/drawingml/2006/main" xmlns:r="http://schemas.openxmlformats.org/officeDocument/2006/relationships" xmlns:p="http://schemas.openxmlformats.org/presentationml/2006/main">
+  <p:cSld>
+    <p:spTree>
+      <p:nvGrpSpPr>
+        <p:cNvPr id="1" name=""/>
+        <p:cNvGrpSpPr/>
+        <p:nvPr/>
+      </p:nvGrpSpPr>
+      <p:grpSpPr>
+        <a:xfrm>
+          <a:off x="0" y="0"/>
+          <a:ext cx="0" cy="0"/>
+          <a:chOff x="0" y="0"/>
+          <a:chExt cx="0" cy="0"/>
+        </a:xfrm>
+      </p:grpSpPr>
+      <p:sp>
+        <p:nvSpPr>
+          <p:cNvPr id="2" name="标题 1">
+            <a:extLst>
+              <a:ext uri="{FF2B5EF4-FFF2-40B4-BE49-F238E27FC236}">
+                <a16:creationId xmlns:a16="http://schemas.microsoft.com/office/drawing/2014/main" id="{B19CDD7C-E2E0-1346-B042-64CD2B6F4BA3}"/>
+              </a:ext>
+            </a:extLst>
+          </p:cNvPr>
+          <p:cNvSpPr>
+            <a:spLocks noGrp="1"/>
+          </p:cNvSpPr>
+          <p:nvPr>
+            <p:ph type="title"/>
+          </p:nvPr>
+        </p:nvSpPr>
+        <p:spPr/>
+        <p:txBody>
+          <a:bodyPr/>
+          <a:lstStyle/>
+          <a:p>
+            <a:r>
+              <a:rPr kumimoji="1" lang="en-US" altLang="zh-CN" dirty="0"/>
+              <a:t>Evaluation: Usability</a:t>
+            </a:r>
+            <a:endParaRPr kumimoji="1" lang="zh-CN" altLang="en-US" dirty="0"/>
+          </a:p>
+        </p:txBody>
+      </p:sp>
+      <p:sp>
+        <p:nvSpPr>
+          <p:cNvPr id="3" name="内容占位符 2">
+            <a:extLst>
+              <a:ext uri="{FF2B5EF4-FFF2-40B4-BE49-F238E27FC236}">
+                <a16:creationId xmlns:a16="http://schemas.microsoft.com/office/drawing/2014/main" id="{747B867D-5CB1-5B4C-8520-D5EF35640D3F}"/>
+              </a:ext>
+            </a:extLst>
+          </p:cNvPr>
+          <p:cNvSpPr>
+            <a:spLocks noGrp="1"/>
+          </p:cNvSpPr>
+          <p:nvPr>
+            <p:ph idx="1"/>
+          </p:nvPr>
+        </p:nvSpPr>
+        <p:spPr>
+          <a:xfrm>
+            <a:off x="443976" y="1323562"/>
+            <a:ext cx="11494739" cy="4966098"/>
+          </a:xfrm>
+        </p:spPr>
+        <p:txBody>
+          <a:bodyPr>
+            <a:normAutofit/>
+          </a:bodyPr>
+          <a:lstStyle/>
+          <a:p>
+            <a:r>
+              <a:rPr kumimoji="1" lang="en" altLang="zh-CN" sz="2000" dirty="0"/>
+              <a:t>RQ4: Is it useful for helping developers in detecting unknown bugs from potentially many alarms?</a:t>
+            </a:r>
+          </a:p>
+          <a:p>
+            <a:r>
+              <a:rPr kumimoji="1" lang="en" altLang="zh-CN" sz="2000" dirty="0"/>
+              <a:t>Conduct these experiments on 50 more real-world Rust crates from GitHub </a:t>
+            </a:r>
+          </a:p>
+          <a:p>
+            <a:pPr lvl="1"/>
+            <a:r>
+              <a:rPr kumimoji="1" lang="en" altLang="zh-CN" sz="1800" dirty="0"/>
+              <a:t>2.00 GHz Intel processor with the 18.04.1-Ubuntu operating system (Linux kernel version 5.4)</a:t>
+            </a:r>
+          </a:p>
+          <a:p>
+            <a:pPr lvl="1"/>
+            <a:r>
+              <a:rPr kumimoji="1" lang="en" altLang="zh-CN" sz="1800" dirty="0"/>
+              <a:t>26 out of 103 bugs in three crates have been confirmed by developers.</a:t>
+            </a:r>
+            <a:endParaRPr kumimoji="1" lang="zh-CN" altLang="en-US" sz="1800" dirty="0"/>
+          </a:p>
+        </p:txBody>
+      </p:sp>
+      <p:pic>
+        <p:nvPicPr>
+          <p:cNvPr id="5" name="图片 4">
+            <a:extLst>
+              <a:ext uri="{FF2B5EF4-FFF2-40B4-BE49-F238E27FC236}">
+                <a16:creationId xmlns:a16="http://schemas.microsoft.com/office/drawing/2014/main" id="{FD5BF882-6607-B241-8C74-1D0A0834404E}"/>
+              </a:ext>
+            </a:extLst>
+          </p:cNvPr>
+          <p:cNvPicPr>
+            <a:picLocks noChangeAspect="1"/>
+          </p:cNvPicPr>
+          <p:nvPr/>
+        </p:nvPicPr>
+        <p:blipFill>
+          <a:blip r:embed="rId3">
+            <a:extLst>
+              <a:ext uri="{28A0092B-C50C-407E-A947-70E740481C1C}">
+                <a14:useLocalDpi xmlns:a14="http://schemas.microsoft.com/office/drawing/2010/main" val="0"/>
+              </a:ext>
+            </a:extLst>
+          </a:blip>
+          <a:stretch>
+            <a:fillRect/>
+          </a:stretch>
+        </p:blipFill>
+        <p:spPr>
+          <a:xfrm>
+            <a:off x="1348620" y="2672930"/>
+            <a:ext cx="9685449" cy="4185070"/>
+          </a:xfrm>
+          <a:prstGeom prst="rect">
+            <a:avLst/>
+          </a:prstGeom>
+        </p:spPr>
+      </p:pic>
+    </p:spTree>
+    <p:extLst>
+      <p:ext uri="{BB962C8B-B14F-4D97-AF65-F5344CB8AC3E}">
+        <p14:creationId xmlns:p14="http://schemas.microsoft.com/office/powerpoint/2010/main" val="2759334613"/>
       </p:ext>
     </p:extLst>
   </p:cSld>
